--- a/Cluster-Graphs/Cluster Expansion for Pd dynamics.pptx
+++ b/Cluster-Graphs/Cluster Expansion for Pd dynamics.pptx
@@ -14,6 +14,8 @@
     <p:sldId id="262" r:id="rId8"/>
     <p:sldId id="263" r:id="rId9"/>
     <p:sldId id="264" r:id="rId10"/>
+    <p:sldId id="265" r:id="rId11"/>
+    <p:sldId id="266" r:id="rId12"/>
   </p:sldIdLst>
   <p:sldSz cx="12192000" cy="6858000"/>
   <p:notesSz cx="6858000" cy="9144000"/>
@@ -112,6 +114,11 @@
       </a:defRPr>
     </a:lvl9pPr>
   </p:defaultTextStyle>
+  <p:extLst>
+    <p:ext uri="{EFAFB233-063F-42B5-8137-9DF3F51BA10A}">
+      <p15:sldGuideLst xmlns:p15="http://schemas.microsoft.com/office/powerpoint/2012/main"/>
+    </p:ext>
+  </p:extLst>
 </p:presentation>
 </file>
 
@@ -246,7 +253,7 @@
           <a:p>
             <a:fld id="{7003E077-3EA7-4C5F-87EA-0E7A45FC606A}" type="datetimeFigureOut">
               <a:rPr lang="en-US" smtClean="0"/>
-              <a:t>7/25/2018</a:t>
+              <a:t>7/26/2018</a:t>
             </a:fld>
             <a:endParaRPr lang="en-US"/>
           </a:p>
@@ -416,7 +423,7 @@
           <a:p>
             <a:fld id="{7003E077-3EA7-4C5F-87EA-0E7A45FC606A}" type="datetimeFigureOut">
               <a:rPr lang="en-US" smtClean="0"/>
-              <a:t>7/25/2018</a:t>
+              <a:t>7/26/2018</a:t>
             </a:fld>
             <a:endParaRPr lang="en-US"/>
           </a:p>
@@ -596,7 +603,7 @@
           <a:p>
             <a:fld id="{7003E077-3EA7-4C5F-87EA-0E7A45FC606A}" type="datetimeFigureOut">
               <a:rPr lang="en-US" smtClean="0"/>
-              <a:t>7/25/2018</a:t>
+              <a:t>7/26/2018</a:t>
             </a:fld>
             <a:endParaRPr lang="en-US"/>
           </a:p>
@@ -766,7 +773,7 @@
           <a:p>
             <a:fld id="{7003E077-3EA7-4C5F-87EA-0E7A45FC606A}" type="datetimeFigureOut">
               <a:rPr lang="en-US" smtClean="0"/>
-              <a:t>7/25/2018</a:t>
+              <a:t>7/26/2018</a:t>
             </a:fld>
             <a:endParaRPr lang="en-US"/>
           </a:p>
@@ -1012,7 +1019,7 @@
           <a:p>
             <a:fld id="{7003E077-3EA7-4C5F-87EA-0E7A45FC606A}" type="datetimeFigureOut">
               <a:rPr lang="en-US" smtClean="0"/>
-              <a:t>7/25/2018</a:t>
+              <a:t>7/26/2018</a:t>
             </a:fld>
             <a:endParaRPr lang="en-US"/>
           </a:p>
@@ -1244,7 +1251,7 @@
           <a:p>
             <a:fld id="{7003E077-3EA7-4C5F-87EA-0E7A45FC606A}" type="datetimeFigureOut">
               <a:rPr lang="en-US" smtClean="0"/>
-              <a:t>7/25/2018</a:t>
+              <a:t>7/26/2018</a:t>
             </a:fld>
             <a:endParaRPr lang="en-US"/>
           </a:p>
@@ -1611,7 +1618,7 @@
           <a:p>
             <a:fld id="{7003E077-3EA7-4C5F-87EA-0E7A45FC606A}" type="datetimeFigureOut">
               <a:rPr lang="en-US" smtClean="0"/>
-              <a:t>7/25/2018</a:t>
+              <a:t>7/26/2018</a:t>
             </a:fld>
             <a:endParaRPr lang="en-US"/>
           </a:p>
@@ -1729,7 +1736,7 @@
           <a:p>
             <a:fld id="{7003E077-3EA7-4C5F-87EA-0E7A45FC606A}" type="datetimeFigureOut">
               <a:rPr lang="en-US" smtClean="0"/>
-              <a:t>7/25/2018</a:t>
+              <a:t>7/26/2018</a:t>
             </a:fld>
             <a:endParaRPr lang="en-US"/>
           </a:p>
@@ -1824,7 +1831,7 @@
           <a:p>
             <a:fld id="{7003E077-3EA7-4C5F-87EA-0E7A45FC606A}" type="datetimeFigureOut">
               <a:rPr lang="en-US" smtClean="0"/>
-              <a:t>7/25/2018</a:t>
+              <a:t>7/26/2018</a:t>
             </a:fld>
             <a:endParaRPr lang="en-US"/>
           </a:p>
@@ -2101,7 +2108,7 @@
           <a:p>
             <a:fld id="{7003E077-3EA7-4C5F-87EA-0E7A45FC606A}" type="datetimeFigureOut">
               <a:rPr lang="en-US" smtClean="0"/>
-              <a:t>7/25/2018</a:t>
+              <a:t>7/26/2018</a:t>
             </a:fld>
             <a:endParaRPr lang="en-US"/>
           </a:p>
@@ -2354,7 +2361,7 @@
           <a:p>
             <a:fld id="{7003E077-3EA7-4C5F-87EA-0E7A45FC606A}" type="datetimeFigureOut">
               <a:rPr lang="en-US" smtClean="0"/>
-              <a:t>7/25/2018</a:t>
+              <a:t>7/26/2018</a:t>
             </a:fld>
             <a:endParaRPr lang="en-US"/>
           </a:p>
@@ -2567,7 +2574,7 @@
           <a:p>
             <a:fld id="{7003E077-3EA7-4C5F-87EA-0E7A45FC606A}" type="datetimeFigureOut">
               <a:rPr lang="en-US" smtClean="0"/>
-              <a:t>7/25/2018</a:t>
+              <a:t>7/26/2018</a:t>
             </a:fld>
             <a:endParaRPr lang="en-US"/>
           </a:p>
@@ -3016,6 +3023,373 @@
 </p:sld>
 </file>
 
+<file path=ppt/slides/slide10.xml><?xml version="1.0" encoding="utf-8"?>
+<p:sld xmlns:a="http://schemas.openxmlformats.org/drawingml/2006/main" xmlns:r="http://schemas.openxmlformats.org/officeDocument/2006/relationships" xmlns:p="http://schemas.openxmlformats.org/presentationml/2006/main">
+  <p:cSld>
+    <p:spTree>
+      <p:nvGrpSpPr>
+        <p:cNvPr id="1" name=""/>
+        <p:cNvGrpSpPr/>
+        <p:nvPr/>
+      </p:nvGrpSpPr>
+      <p:grpSpPr>
+        <a:xfrm>
+          <a:off x="0" y="0"/>
+          <a:ext cx="0" cy="0"/>
+          <a:chOff x="0" y="0"/>
+          <a:chExt cx="0" cy="0"/>
+        </a:xfrm>
+      </p:grpSpPr>
+      <p:sp>
+        <p:nvSpPr>
+          <p:cNvPr id="2" name="Title 1"/>
+          <p:cNvSpPr>
+            <a:spLocks noGrp="1"/>
+          </p:cNvSpPr>
+          <p:nvPr>
+            <p:ph type="title"/>
+          </p:nvPr>
+        </p:nvSpPr>
+        <p:spPr/>
+        <p:txBody>
+          <a:bodyPr/>
+          <a:lstStyle/>
+          <a:p>
+            <a:r>
+              <a:rPr lang="en-US" dirty="0" smtClean="0"/>
+              <a:t>Lattice</a:t>
+            </a:r>
+            <a:endParaRPr lang="en-US" dirty="0"/>
+          </a:p>
+        </p:txBody>
+      </p:sp>
+      <p:pic>
+        <p:nvPicPr>
+          <p:cNvPr id="4" name="Picture 3"/>
+          <p:cNvPicPr>
+            <a:picLocks noChangeAspect="1"/>
+          </p:cNvPicPr>
+          <p:nvPr/>
+        </p:nvPicPr>
+        <p:blipFill>
+          <a:blip r:embed="rId2"/>
+          <a:stretch>
+            <a:fillRect/>
+          </a:stretch>
+        </p:blipFill>
+        <p:spPr>
+          <a:xfrm>
+            <a:off x="2560320" y="0"/>
+            <a:ext cx="4582962" cy="5864352"/>
+          </a:xfrm>
+          <a:prstGeom prst="rect">
+            <a:avLst/>
+          </a:prstGeom>
+        </p:spPr>
+      </p:pic>
+    </p:spTree>
+    <p:extLst>
+      <p:ext uri="{BB962C8B-B14F-4D97-AF65-F5344CB8AC3E}">
+        <p14:creationId xmlns:p14="http://schemas.microsoft.com/office/powerpoint/2010/main" val="1542115860"/>
+      </p:ext>
+    </p:extLst>
+  </p:cSld>
+  <p:clrMapOvr>
+    <a:masterClrMapping/>
+  </p:clrMapOvr>
+</p:sld>
+</file>
+
+<file path=ppt/slides/slide11.xml><?xml version="1.0" encoding="utf-8"?>
+<p:sld xmlns:a="http://schemas.openxmlformats.org/drawingml/2006/main" xmlns:r="http://schemas.openxmlformats.org/officeDocument/2006/relationships" xmlns:p="http://schemas.openxmlformats.org/presentationml/2006/main">
+  <p:cSld>
+    <p:spTree>
+      <p:nvGrpSpPr>
+        <p:cNvPr id="1" name=""/>
+        <p:cNvGrpSpPr/>
+        <p:nvPr/>
+      </p:nvGrpSpPr>
+      <p:grpSpPr>
+        <a:xfrm>
+          <a:off x="0" y="0"/>
+          <a:ext cx="0" cy="0"/>
+          <a:chOff x="0" y="0"/>
+          <a:chExt cx="0" cy="0"/>
+        </a:xfrm>
+      </p:grpSpPr>
+      <p:sp>
+        <p:nvSpPr>
+          <p:cNvPr id="2" name="Title 1"/>
+          <p:cNvSpPr>
+            <a:spLocks noGrp="1"/>
+          </p:cNvSpPr>
+          <p:nvPr>
+            <p:ph type="title"/>
+          </p:nvPr>
+        </p:nvSpPr>
+        <p:spPr/>
+        <p:txBody>
+          <a:bodyPr/>
+          <a:lstStyle/>
+          <a:p>
+            <a:r>
+              <a:rPr lang="en-US" dirty="0" smtClean="0"/>
+              <a:t>Model 2D configuration first</a:t>
+            </a:r>
+            <a:endParaRPr lang="en-US" dirty="0"/>
+          </a:p>
+        </p:txBody>
+      </p:sp>
+      <p:sp>
+        <p:nvSpPr>
+          <p:cNvPr id="3" name="Content Placeholder 2"/>
+          <p:cNvSpPr>
+            <a:spLocks noGrp="1"/>
+          </p:cNvSpPr>
+          <p:nvPr>
+            <p:ph idx="1"/>
+          </p:nvPr>
+        </p:nvSpPr>
+        <p:spPr>
+          <a:xfrm>
+            <a:off x="838200" y="1825625"/>
+            <a:ext cx="10515600" cy="1283335"/>
+          </a:xfrm>
+        </p:spPr>
+        <p:txBody>
+          <a:bodyPr/>
+          <a:lstStyle/>
+          <a:p>
+            <a:r>
+              <a:rPr lang="en-US" dirty="0" smtClean="0"/>
+              <a:t>12 of them </a:t>
+            </a:r>
+          </a:p>
+          <a:p>
+            <a:endParaRPr lang="en-US" dirty="0"/>
+          </a:p>
+        </p:txBody>
+      </p:sp>
+      <p:pic>
+        <p:nvPicPr>
+          <p:cNvPr id="4" name="Picture 3"/>
+          <p:cNvPicPr>
+            <a:picLocks noChangeAspect="1"/>
+          </p:cNvPicPr>
+          <p:nvPr/>
+        </p:nvPicPr>
+        <p:blipFill rotWithShape="1">
+          <a:blip r:embed="rId2">
+            <a:extLst>
+              <a:ext uri="{28A0092B-C50C-407E-A947-70E740481C1C}">
+                <a14:useLocalDpi xmlns:a14="http://schemas.microsoft.com/office/drawing/2010/main" val="0"/>
+              </a:ext>
+            </a:extLst>
+          </a:blip>
+          <a:srcRect l="23025" t="6260"/>
+          <a:stretch/>
+        </p:blipFill>
+        <p:spPr>
+          <a:xfrm>
+            <a:off x="3472755" y="1690688"/>
+            <a:ext cx="2255552" cy="1831206"/>
+          </a:xfrm>
+          <a:prstGeom prst="rect">
+            <a:avLst/>
+          </a:prstGeom>
+        </p:spPr>
+      </p:pic>
+      <p:pic>
+        <p:nvPicPr>
+          <p:cNvPr id="5" name="Picture 4"/>
+          <p:cNvPicPr>
+            <a:picLocks noChangeAspect="1"/>
+          </p:cNvPicPr>
+          <p:nvPr/>
+        </p:nvPicPr>
+        <p:blipFill>
+          <a:blip r:embed="rId3">
+            <a:extLst>
+              <a:ext uri="{28A0092B-C50C-407E-A947-70E740481C1C}">
+                <a14:useLocalDpi xmlns:a14="http://schemas.microsoft.com/office/drawing/2010/main" val="0"/>
+              </a:ext>
+            </a:extLst>
+          </a:blip>
+          <a:stretch>
+            <a:fillRect/>
+          </a:stretch>
+        </p:blipFill>
+        <p:spPr>
+          <a:xfrm>
+            <a:off x="5445210" y="1690688"/>
+            <a:ext cx="2917652" cy="1945101"/>
+          </a:xfrm>
+          <a:prstGeom prst="rect">
+            <a:avLst/>
+          </a:prstGeom>
+        </p:spPr>
+      </p:pic>
+      <p:pic>
+        <p:nvPicPr>
+          <p:cNvPr id="6" name="Picture 5"/>
+          <p:cNvPicPr>
+            <a:picLocks noChangeAspect="1"/>
+          </p:cNvPicPr>
+          <p:nvPr/>
+        </p:nvPicPr>
+        <p:blipFill rotWithShape="1">
+          <a:blip r:embed="rId4">
+            <a:extLst>
+              <a:ext uri="{28A0092B-C50C-407E-A947-70E740481C1C}">
+                <a14:useLocalDpi xmlns:a14="http://schemas.microsoft.com/office/drawing/2010/main" val="0"/>
+              </a:ext>
+            </a:extLst>
+          </a:blip>
+          <a:srcRect l="54152"/>
+          <a:stretch/>
+        </p:blipFill>
+        <p:spPr>
+          <a:xfrm>
+            <a:off x="8611573" y="1410011"/>
+            <a:ext cx="1723744" cy="2506454"/>
+          </a:xfrm>
+          <a:prstGeom prst="rect">
+            <a:avLst/>
+          </a:prstGeom>
+        </p:spPr>
+      </p:pic>
+      <p:pic>
+        <p:nvPicPr>
+          <p:cNvPr id="7" name="Picture 6"/>
+          <p:cNvPicPr>
+            <a:picLocks noChangeAspect="1"/>
+          </p:cNvPicPr>
+          <p:nvPr/>
+        </p:nvPicPr>
+        <p:blipFill rotWithShape="1">
+          <a:blip r:embed="rId5">
+            <a:extLst>
+              <a:ext uri="{28A0092B-C50C-407E-A947-70E740481C1C}">
+                <a14:useLocalDpi xmlns:a14="http://schemas.microsoft.com/office/drawing/2010/main" val="0"/>
+              </a:ext>
+            </a:extLst>
+          </a:blip>
+          <a:srcRect l="54278"/>
+          <a:stretch/>
+        </p:blipFill>
+        <p:spPr>
+          <a:xfrm>
+            <a:off x="10548257" y="1410011"/>
+            <a:ext cx="1611085" cy="2349107"/>
+          </a:xfrm>
+          <a:prstGeom prst="rect">
+            <a:avLst/>
+          </a:prstGeom>
+        </p:spPr>
+      </p:pic>
+      <p:pic>
+        <p:nvPicPr>
+          <p:cNvPr id="8" name="Picture 7"/>
+          <p:cNvPicPr>
+            <a:picLocks noChangeAspect="1"/>
+          </p:cNvPicPr>
+          <p:nvPr/>
+        </p:nvPicPr>
+        <p:blipFill>
+          <a:blip r:embed="rId6">
+            <a:extLst>
+              <a:ext uri="{28A0092B-C50C-407E-A947-70E740481C1C}">
+                <a14:useLocalDpi xmlns:a14="http://schemas.microsoft.com/office/drawing/2010/main" val="0"/>
+              </a:ext>
+            </a:extLst>
+          </a:blip>
+          <a:stretch>
+            <a:fillRect/>
+          </a:stretch>
+        </p:blipFill>
+        <p:spPr>
+          <a:xfrm>
+            <a:off x="1309467" y="3656831"/>
+            <a:ext cx="3906982" cy="2604654"/>
+          </a:xfrm>
+          <a:prstGeom prst="rect">
+            <a:avLst/>
+          </a:prstGeom>
+        </p:spPr>
+      </p:pic>
+      <p:pic>
+        <p:nvPicPr>
+          <p:cNvPr id="9" name="Picture 8"/>
+          <p:cNvPicPr>
+            <a:picLocks noChangeAspect="1"/>
+          </p:cNvPicPr>
+          <p:nvPr/>
+        </p:nvPicPr>
+        <p:blipFill>
+          <a:blip r:embed="rId7">
+            <a:extLst>
+              <a:ext uri="{28A0092B-C50C-407E-A947-70E740481C1C}">
+                <a14:useLocalDpi xmlns:a14="http://schemas.microsoft.com/office/drawing/2010/main" val="0"/>
+              </a:ext>
+            </a:extLst>
+          </a:blip>
+          <a:stretch>
+            <a:fillRect/>
+          </a:stretch>
+        </p:blipFill>
+        <p:spPr>
+          <a:xfrm>
+            <a:off x="4955170" y="3734581"/>
+            <a:ext cx="3668971" cy="2445981"/>
+          </a:xfrm>
+          <a:prstGeom prst="rect">
+            <a:avLst/>
+          </a:prstGeom>
+        </p:spPr>
+      </p:pic>
+      <p:pic>
+        <p:nvPicPr>
+          <p:cNvPr id="10" name="Picture 9"/>
+          <p:cNvPicPr>
+            <a:picLocks noChangeAspect="1"/>
+          </p:cNvPicPr>
+          <p:nvPr/>
+        </p:nvPicPr>
+        <p:blipFill>
+          <a:blip r:embed="rId8">
+            <a:extLst>
+              <a:ext uri="{28A0092B-C50C-407E-A947-70E740481C1C}">
+                <a14:useLocalDpi xmlns:a14="http://schemas.microsoft.com/office/drawing/2010/main" val="0"/>
+              </a:ext>
+            </a:extLst>
+          </a:blip>
+          <a:stretch>
+            <a:fillRect/>
+          </a:stretch>
+        </p:blipFill>
+        <p:spPr>
+          <a:xfrm>
+            <a:off x="8362862" y="3831284"/>
+            <a:ext cx="3383622" cy="2255748"/>
+          </a:xfrm>
+          <a:prstGeom prst="rect">
+            <a:avLst/>
+          </a:prstGeom>
+        </p:spPr>
+      </p:pic>
+    </p:spTree>
+    <p:extLst>
+      <p:ext uri="{BB962C8B-B14F-4D97-AF65-F5344CB8AC3E}">
+        <p14:creationId xmlns:p14="http://schemas.microsoft.com/office/powerpoint/2010/main" val="2167839703"/>
+      </p:ext>
+    </p:extLst>
+  </p:cSld>
+  <p:clrMapOvr>
+    <a:masterClrMapping/>
+  </p:clrMapOvr>
+</p:sld>
+</file>
+
 <file path=ppt/slides/slide2.xml><?xml version="1.0" encoding="utf-8"?>
 <p:sld xmlns:a="http://schemas.openxmlformats.org/drawingml/2006/main" xmlns:r="http://schemas.openxmlformats.org/officeDocument/2006/relationships" xmlns:p="http://schemas.openxmlformats.org/presentationml/2006/main">
   <p:cSld>
@@ -3547,6 +3921,66 @@
           </a:prstGeom>
         </p:spPr>
       </p:pic>
+      <p:sp>
+        <p:nvSpPr>
+          <p:cNvPr id="5" name="TextBox 4"/>
+          <p:cNvSpPr txBox="1"/>
+          <p:nvPr/>
+        </p:nvSpPr>
+        <p:spPr>
+          <a:xfrm>
+            <a:off x="1064029" y="5137265"/>
+            <a:ext cx="2310938" cy="369332"/>
+          </a:xfrm>
+          <a:prstGeom prst="rect">
+            <a:avLst/>
+          </a:prstGeom>
+          <a:noFill/>
+        </p:spPr>
+        <p:txBody>
+          <a:bodyPr wrap="square" rtlCol="0">
+            <a:spAutoFit/>
+          </a:bodyPr>
+          <a:lstStyle/>
+          <a:p>
+            <a:r>
+              <a:rPr lang="en-US" b="1" i="1" dirty="0" smtClean="0"/>
+              <a:t>This is a 3D cluster</a:t>
+            </a:r>
+            <a:endParaRPr lang="en-US" b="1" i="1" dirty="0"/>
+          </a:p>
+        </p:txBody>
+      </p:sp>
+      <p:sp>
+        <p:nvSpPr>
+          <p:cNvPr id="6" name="TextBox 5"/>
+          <p:cNvSpPr txBox="1"/>
+          <p:nvPr/>
+        </p:nvSpPr>
+        <p:spPr>
+          <a:xfrm>
+            <a:off x="6290589" y="5137265"/>
+            <a:ext cx="2310938" cy="369332"/>
+          </a:xfrm>
+          <a:prstGeom prst="rect">
+            <a:avLst/>
+          </a:prstGeom>
+          <a:noFill/>
+        </p:spPr>
+        <p:txBody>
+          <a:bodyPr wrap="square" rtlCol="0">
+            <a:spAutoFit/>
+          </a:bodyPr>
+          <a:lstStyle/>
+          <a:p>
+            <a:r>
+              <a:rPr lang="en-US" b="1" i="1" dirty="0" smtClean="0"/>
+              <a:t>This is a 3D cluster</a:t>
+            </a:r>
+            <a:endParaRPr lang="en-US" b="1" i="1" dirty="0"/>
+          </a:p>
+        </p:txBody>
+      </p:sp>
     </p:spTree>
     <p:extLst>
       <p:ext uri="{BB962C8B-B14F-4D97-AF65-F5344CB8AC3E}">
@@ -3660,6 +4094,66 @@
           </a:prstGeom>
         </p:spPr>
       </p:pic>
+      <p:sp>
+        <p:nvSpPr>
+          <p:cNvPr id="5" name="TextBox 4"/>
+          <p:cNvSpPr txBox="1"/>
+          <p:nvPr/>
+        </p:nvSpPr>
+        <p:spPr>
+          <a:xfrm>
+            <a:off x="6350924" y="5270269"/>
+            <a:ext cx="2310938" cy="369332"/>
+          </a:xfrm>
+          <a:prstGeom prst="rect">
+            <a:avLst/>
+          </a:prstGeom>
+          <a:noFill/>
+        </p:spPr>
+        <p:txBody>
+          <a:bodyPr wrap="square" rtlCol="0">
+            <a:spAutoFit/>
+          </a:bodyPr>
+          <a:lstStyle/>
+          <a:p>
+            <a:r>
+              <a:rPr lang="en-US" b="1" i="1" dirty="0" smtClean="0"/>
+              <a:t>This is a 3D cluster</a:t>
+            </a:r>
+            <a:endParaRPr lang="en-US" b="1" i="1" dirty="0"/>
+          </a:p>
+        </p:txBody>
+      </p:sp>
+      <p:sp>
+        <p:nvSpPr>
+          <p:cNvPr id="6" name="TextBox 5"/>
+          <p:cNvSpPr txBox="1"/>
+          <p:nvPr/>
+        </p:nvSpPr>
+        <p:spPr>
+          <a:xfrm>
+            <a:off x="8928359" y="5270269"/>
+            <a:ext cx="2310938" cy="369332"/>
+          </a:xfrm>
+          <a:prstGeom prst="rect">
+            <a:avLst/>
+          </a:prstGeom>
+          <a:noFill/>
+        </p:spPr>
+        <p:txBody>
+          <a:bodyPr wrap="square" rtlCol="0">
+            <a:spAutoFit/>
+          </a:bodyPr>
+          <a:lstStyle/>
+          <a:p>
+            <a:r>
+              <a:rPr lang="en-US" b="1" i="1" dirty="0" smtClean="0"/>
+              <a:t>This is a 3D cluster</a:t>
+            </a:r>
+            <a:endParaRPr lang="en-US" b="1" i="1" dirty="0"/>
+          </a:p>
+        </p:txBody>
+      </p:sp>
     </p:spTree>
     <p:extLst>
       <p:ext uri="{BB962C8B-B14F-4D97-AF65-F5344CB8AC3E}">
@@ -3886,6 +4380,126 @@
           </a:prstGeom>
         </p:spPr>
       </p:pic>
+      <p:sp>
+        <p:nvSpPr>
+          <p:cNvPr id="6" name="TextBox 5"/>
+          <p:cNvSpPr txBox="1"/>
+          <p:nvPr/>
+        </p:nvSpPr>
+        <p:spPr>
+          <a:xfrm>
+            <a:off x="1130531" y="5270269"/>
+            <a:ext cx="2310938" cy="369332"/>
+          </a:xfrm>
+          <a:prstGeom prst="rect">
+            <a:avLst/>
+          </a:prstGeom>
+          <a:noFill/>
+        </p:spPr>
+        <p:txBody>
+          <a:bodyPr wrap="square" rtlCol="0">
+            <a:spAutoFit/>
+          </a:bodyPr>
+          <a:lstStyle/>
+          <a:p>
+            <a:r>
+              <a:rPr lang="en-US" b="1" i="1" dirty="0" smtClean="0"/>
+              <a:t>This is a 3D cluster</a:t>
+            </a:r>
+            <a:endParaRPr lang="en-US" b="1" i="1" dirty="0"/>
+          </a:p>
+        </p:txBody>
+      </p:sp>
+      <p:sp>
+        <p:nvSpPr>
+          <p:cNvPr id="7" name="TextBox 6"/>
+          <p:cNvSpPr txBox="1"/>
+          <p:nvPr/>
+        </p:nvSpPr>
+        <p:spPr>
+          <a:xfrm>
+            <a:off x="3560618" y="5319145"/>
+            <a:ext cx="2310938" cy="369332"/>
+          </a:xfrm>
+          <a:prstGeom prst="rect">
+            <a:avLst/>
+          </a:prstGeom>
+          <a:noFill/>
+        </p:spPr>
+        <p:txBody>
+          <a:bodyPr wrap="square" rtlCol="0">
+            <a:spAutoFit/>
+          </a:bodyPr>
+          <a:lstStyle/>
+          <a:p>
+            <a:r>
+              <a:rPr lang="en-US" b="1" i="1" dirty="0" smtClean="0"/>
+              <a:t>This is a 3D cluster</a:t>
+            </a:r>
+            <a:endParaRPr lang="en-US" b="1" i="1" dirty="0"/>
+          </a:p>
+        </p:txBody>
+      </p:sp>
+      <p:sp>
+        <p:nvSpPr>
+          <p:cNvPr id="8" name="TextBox 7"/>
+          <p:cNvSpPr txBox="1"/>
+          <p:nvPr/>
+        </p:nvSpPr>
+        <p:spPr>
+          <a:xfrm>
+            <a:off x="6528887" y="5424256"/>
+            <a:ext cx="2310938" cy="369332"/>
+          </a:xfrm>
+          <a:prstGeom prst="rect">
+            <a:avLst/>
+          </a:prstGeom>
+          <a:noFill/>
+        </p:spPr>
+        <p:txBody>
+          <a:bodyPr wrap="square" rtlCol="0">
+            <a:spAutoFit/>
+          </a:bodyPr>
+          <a:lstStyle/>
+          <a:p>
+            <a:r>
+              <a:rPr lang="en-US" b="1" i="1" dirty="0" smtClean="0"/>
+              <a:t>This is a 3D cluster</a:t>
+            </a:r>
+            <a:endParaRPr lang="en-US" b="1" i="1" dirty="0"/>
+          </a:p>
+        </p:txBody>
+      </p:sp>
+      <p:sp>
+        <p:nvSpPr>
+          <p:cNvPr id="9" name="TextBox 8"/>
+          <p:cNvSpPr txBox="1"/>
+          <p:nvPr/>
+        </p:nvSpPr>
+        <p:spPr>
+          <a:xfrm>
+            <a:off x="9458363" y="5424256"/>
+            <a:ext cx="2310938" cy="369332"/>
+          </a:xfrm>
+          <a:prstGeom prst="rect">
+            <a:avLst/>
+          </a:prstGeom>
+          <a:noFill/>
+        </p:spPr>
+        <p:txBody>
+          <a:bodyPr wrap="square" rtlCol="0">
+            <a:spAutoFit/>
+          </a:bodyPr>
+          <a:lstStyle/>
+          <a:p>
+            <a:r>
+              <a:rPr lang="en-US" b="1" i="1" dirty="0" smtClean="0"/>
+              <a:t>This is a 3D cluster</a:t>
+            </a:r>
+            <a:endParaRPr lang="en-US" b="1" i="1" dirty="0"/>
+          </a:p>
+        </p:txBody>
+      </p:sp>
     </p:spTree>
     <p:extLst>
       <p:ext uri="{BB962C8B-B14F-4D97-AF65-F5344CB8AC3E}">

--- a/Cluster-Graphs/Cluster Expansion for Pd dynamics.pptx
+++ b/Cluster-Graphs/Cluster Expansion for Pd dynamics.pptx
@@ -164,10 +164,9 @@
           </a:lstStyle>
           <a:p>
             <a:r>
-              <a:rPr lang="en-US" smtClean="0"/>
+              <a:rPr lang="en-US"/>
               <a:t>Click to edit Master title style</a:t>
             </a:r>
-            <a:endParaRPr lang="en-US"/>
           </a:p>
         </p:txBody>
       </p:sp>
@@ -229,10 +228,9 @@
           </a:lstStyle>
           <a:p>
             <a:r>
-              <a:rPr lang="en-US" smtClean="0"/>
+              <a:rPr lang="en-US"/>
               <a:t>Click to edit Master subtitle style</a:t>
             </a:r>
-            <a:endParaRPr lang="en-US"/>
           </a:p>
         </p:txBody>
       </p:sp>
@@ -253,7 +251,7 @@
           <a:p>
             <a:fld id="{7003E077-3EA7-4C5F-87EA-0E7A45FC606A}" type="datetimeFigureOut">
               <a:rPr lang="en-US" smtClean="0"/>
-              <a:t>7/26/2018</a:t>
+              <a:t>7/30/2018</a:t>
             </a:fld>
             <a:endParaRPr lang="en-US"/>
           </a:p>
@@ -347,10 +345,9 @@
           <a:lstStyle/>
           <a:p>
             <a:r>
-              <a:rPr lang="en-US" smtClean="0"/>
+              <a:rPr lang="en-US"/>
               <a:t>Click to edit Master title style</a:t>
             </a:r>
-            <a:endParaRPr lang="en-US"/>
           </a:p>
         </p:txBody>
       </p:sp>
@@ -371,38 +368,37 @@
           <a:p>
             <a:pPr lvl="0"/>
             <a:r>
-              <a:rPr lang="en-US" smtClean="0"/>
+              <a:rPr lang="en-US"/>
               <a:t>Edit Master text styles</a:t>
             </a:r>
           </a:p>
           <a:p>
             <a:pPr lvl="1"/>
             <a:r>
-              <a:rPr lang="en-US" smtClean="0"/>
+              <a:rPr lang="en-US"/>
               <a:t>Second level</a:t>
             </a:r>
           </a:p>
           <a:p>
             <a:pPr lvl="2"/>
             <a:r>
-              <a:rPr lang="en-US" smtClean="0"/>
+              <a:rPr lang="en-US"/>
               <a:t>Third level</a:t>
             </a:r>
           </a:p>
           <a:p>
             <a:pPr lvl="3"/>
             <a:r>
-              <a:rPr lang="en-US" smtClean="0"/>
+              <a:rPr lang="en-US"/>
               <a:t>Fourth level</a:t>
             </a:r>
           </a:p>
           <a:p>
             <a:pPr lvl="4"/>
             <a:r>
-              <a:rPr lang="en-US" smtClean="0"/>
+              <a:rPr lang="en-US"/>
               <a:t>Fifth level</a:t>
             </a:r>
-            <a:endParaRPr lang="en-US"/>
           </a:p>
         </p:txBody>
       </p:sp>
@@ -423,7 +419,7 @@
           <a:p>
             <a:fld id="{7003E077-3EA7-4C5F-87EA-0E7A45FC606A}" type="datetimeFigureOut">
               <a:rPr lang="en-US" smtClean="0"/>
-              <a:t>7/26/2018</a:t>
+              <a:t>7/30/2018</a:t>
             </a:fld>
             <a:endParaRPr lang="en-US"/>
           </a:p>
@@ -522,10 +518,9 @@
           <a:lstStyle/>
           <a:p>
             <a:r>
-              <a:rPr lang="en-US" smtClean="0"/>
+              <a:rPr lang="en-US"/>
               <a:t>Click to edit Master title style</a:t>
             </a:r>
-            <a:endParaRPr lang="en-US"/>
           </a:p>
         </p:txBody>
       </p:sp>
@@ -551,38 +546,37 @@
           <a:p>
             <a:pPr lvl="0"/>
             <a:r>
-              <a:rPr lang="en-US" smtClean="0"/>
+              <a:rPr lang="en-US"/>
               <a:t>Edit Master text styles</a:t>
             </a:r>
           </a:p>
           <a:p>
             <a:pPr lvl="1"/>
             <a:r>
-              <a:rPr lang="en-US" smtClean="0"/>
+              <a:rPr lang="en-US"/>
               <a:t>Second level</a:t>
             </a:r>
           </a:p>
           <a:p>
             <a:pPr lvl="2"/>
             <a:r>
-              <a:rPr lang="en-US" smtClean="0"/>
+              <a:rPr lang="en-US"/>
               <a:t>Third level</a:t>
             </a:r>
           </a:p>
           <a:p>
             <a:pPr lvl="3"/>
             <a:r>
-              <a:rPr lang="en-US" smtClean="0"/>
+              <a:rPr lang="en-US"/>
               <a:t>Fourth level</a:t>
             </a:r>
           </a:p>
           <a:p>
             <a:pPr lvl="4"/>
             <a:r>
-              <a:rPr lang="en-US" smtClean="0"/>
+              <a:rPr lang="en-US"/>
               <a:t>Fifth level</a:t>
             </a:r>
-            <a:endParaRPr lang="en-US"/>
           </a:p>
         </p:txBody>
       </p:sp>
@@ -603,7 +597,7 @@
           <a:p>
             <a:fld id="{7003E077-3EA7-4C5F-87EA-0E7A45FC606A}" type="datetimeFigureOut">
               <a:rPr lang="en-US" smtClean="0"/>
-              <a:t>7/26/2018</a:t>
+              <a:t>7/30/2018</a:t>
             </a:fld>
             <a:endParaRPr lang="en-US"/>
           </a:p>
@@ -697,10 +691,9 @@
           <a:lstStyle/>
           <a:p>
             <a:r>
-              <a:rPr lang="en-US" smtClean="0"/>
+              <a:rPr lang="en-US"/>
               <a:t>Click to edit Master title style</a:t>
             </a:r>
-            <a:endParaRPr lang="en-US"/>
           </a:p>
         </p:txBody>
       </p:sp>
@@ -721,38 +714,37 @@
           <a:p>
             <a:pPr lvl="0"/>
             <a:r>
-              <a:rPr lang="en-US" smtClean="0"/>
+              <a:rPr lang="en-US"/>
               <a:t>Edit Master text styles</a:t>
             </a:r>
           </a:p>
           <a:p>
             <a:pPr lvl="1"/>
             <a:r>
-              <a:rPr lang="en-US" smtClean="0"/>
+              <a:rPr lang="en-US"/>
               <a:t>Second level</a:t>
             </a:r>
           </a:p>
           <a:p>
             <a:pPr lvl="2"/>
             <a:r>
-              <a:rPr lang="en-US" smtClean="0"/>
+              <a:rPr lang="en-US"/>
               <a:t>Third level</a:t>
             </a:r>
           </a:p>
           <a:p>
             <a:pPr lvl="3"/>
             <a:r>
-              <a:rPr lang="en-US" smtClean="0"/>
+              <a:rPr lang="en-US"/>
               <a:t>Fourth level</a:t>
             </a:r>
           </a:p>
           <a:p>
             <a:pPr lvl="4"/>
             <a:r>
-              <a:rPr lang="en-US" smtClean="0"/>
+              <a:rPr lang="en-US"/>
               <a:t>Fifth level</a:t>
             </a:r>
-            <a:endParaRPr lang="en-US"/>
           </a:p>
         </p:txBody>
       </p:sp>
@@ -773,7 +765,7 @@
           <a:p>
             <a:fld id="{7003E077-3EA7-4C5F-87EA-0E7A45FC606A}" type="datetimeFigureOut">
               <a:rPr lang="en-US" smtClean="0"/>
-              <a:t>7/26/2018</a:t>
+              <a:t>7/30/2018</a:t>
             </a:fld>
             <a:endParaRPr lang="en-US"/>
           </a:p>
@@ -876,10 +868,9 @@
           </a:lstStyle>
           <a:p>
             <a:r>
-              <a:rPr lang="en-US" smtClean="0"/>
+              <a:rPr lang="en-US"/>
               <a:t>Click to edit Master title style</a:t>
             </a:r>
-            <a:endParaRPr lang="en-US"/>
           </a:p>
         </p:txBody>
       </p:sp>
@@ -996,7 +987,7 @@
           <a:p>
             <a:pPr lvl="0"/>
             <a:r>
-              <a:rPr lang="en-US" smtClean="0"/>
+              <a:rPr lang="en-US"/>
               <a:t>Edit Master text styles</a:t>
             </a:r>
           </a:p>
@@ -1019,7 +1010,7 @@
           <a:p>
             <a:fld id="{7003E077-3EA7-4C5F-87EA-0E7A45FC606A}" type="datetimeFigureOut">
               <a:rPr lang="en-US" smtClean="0"/>
-              <a:t>7/26/2018</a:t>
+              <a:t>7/30/2018</a:t>
             </a:fld>
             <a:endParaRPr lang="en-US"/>
           </a:p>
@@ -1113,10 +1104,9 @@
           <a:lstStyle/>
           <a:p>
             <a:r>
-              <a:rPr lang="en-US" smtClean="0"/>
+              <a:rPr lang="en-US"/>
               <a:t>Click to edit Master title style</a:t>
             </a:r>
-            <a:endParaRPr lang="en-US"/>
           </a:p>
         </p:txBody>
       </p:sp>
@@ -1142,38 +1132,37 @@
           <a:p>
             <a:pPr lvl="0"/>
             <a:r>
-              <a:rPr lang="en-US" smtClean="0"/>
+              <a:rPr lang="en-US"/>
               <a:t>Edit Master text styles</a:t>
             </a:r>
           </a:p>
           <a:p>
             <a:pPr lvl="1"/>
             <a:r>
-              <a:rPr lang="en-US" smtClean="0"/>
+              <a:rPr lang="en-US"/>
               <a:t>Second level</a:t>
             </a:r>
           </a:p>
           <a:p>
             <a:pPr lvl="2"/>
             <a:r>
-              <a:rPr lang="en-US" smtClean="0"/>
+              <a:rPr lang="en-US"/>
               <a:t>Third level</a:t>
             </a:r>
           </a:p>
           <a:p>
             <a:pPr lvl="3"/>
             <a:r>
-              <a:rPr lang="en-US" smtClean="0"/>
+              <a:rPr lang="en-US"/>
               <a:t>Fourth level</a:t>
             </a:r>
           </a:p>
           <a:p>
             <a:pPr lvl="4"/>
             <a:r>
-              <a:rPr lang="en-US" smtClean="0"/>
+              <a:rPr lang="en-US"/>
               <a:t>Fifth level</a:t>
             </a:r>
-            <a:endParaRPr lang="en-US"/>
           </a:p>
         </p:txBody>
       </p:sp>
@@ -1199,38 +1188,37 @@
           <a:p>
             <a:pPr lvl="0"/>
             <a:r>
-              <a:rPr lang="en-US" smtClean="0"/>
+              <a:rPr lang="en-US"/>
               <a:t>Edit Master text styles</a:t>
             </a:r>
           </a:p>
           <a:p>
             <a:pPr lvl="1"/>
             <a:r>
-              <a:rPr lang="en-US" smtClean="0"/>
+              <a:rPr lang="en-US"/>
               <a:t>Second level</a:t>
             </a:r>
           </a:p>
           <a:p>
             <a:pPr lvl="2"/>
             <a:r>
-              <a:rPr lang="en-US" smtClean="0"/>
+              <a:rPr lang="en-US"/>
               <a:t>Third level</a:t>
             </a:r>
           </a:p>
           <a:p>
             <a:pPr lvl="3"/>
             <a:r>
-              <a:rPr lang="en-US" smtClean="0"/>
+              <a:rPr lang="en-US"/>
               <a:t>Fourth level</a:t>
             </a:r>
           </a:p>
           <a:p>
             <a:pPr lvl="4"/>
             <a:r>
-              <a:rPr lang="en-US" smtClean="0"/>
+              <a:rPr lang="en-US"/>
               <a:t>Fifth level</a:t>
             </a:r>
-            <a:endParaRPr lang="en-US"/>
           </a:p>
         </p:txBody>
       </p:sp>
@@ -1251,7 +1239,7 @@
           <a:p>
             <a:fld id="{7003E077-3EA7-4C5F-87EA-0E7A45FC606A}" type="datetimeFigureOut">
               <a:rPr lang="en-US" smtClean="0"/>
-              <a:t>7/26/2018</a:t>
+              <a:t>7/30/2018</a:t>
             </a:fld>
             <a:endParaRPr lang="en-US"/>
           </a:p>
@@ -1350,10 +1338,9 @@
           <a:lstStyle/>
           <a:p>
             <a:r>
-              <a:rPr lang="en-US" smtClean="0"/>
+              <a:rPr lang="en-US"/>
               <a:t>Click to edit Master title style</a:t>
             </a:r>
-            <a:endParaRPr lang="en-US"/>
           </a:p>
         </p:txBody>
       </p:sp>
@@ -1416,7 +1403,7 @@
           <a:p>
             <a:pPr lvl="0"/>
             <a:r>
-              <a:rPr lang="en-US" smtClean="0"/>
+              <a:rPr lang="en-US"/>
               <a:t>Edit Master text styles</a:t>
             </a:r>
           </a:p>
@@ -1444,38 +1431,37 @@
           <a:p>
             <a:pPr lvl="0"/>
             <a:r>
-              <a:rPr lang="en-US" smtClean="0"/>
+              <a:rPr lang="en-US"/>
               <a:t>Edit Master text styles</a:t>
             </a:r>
           </a:p>
           <a:p>
             <a:pPr lvl="1"/>
             <a:r>
-              <a:rPr lang="en-US" smtClean="0"/>
+              <a:rPr lang="en-US"/>
               <a:t>Second level</a:t>
             </a:r>
           </a:p>
           <a:p>
             <a:pPr lvl="2"/>
             <a:r>
-              <a:rPr lang="en-US" smtClean="0"/>
+              <a:rPr lang="en-US"/>
               <a:t>Third level</a:t>
             </a:r>
           </a:p>
           <a:p>
             <a:pPr lvl="3"/>
             <a:r>
-              <a:rPr lang="en-US" smtClean="0"/>
+              <a:rPr lang="en-US"/>
               <a:t>Fourth level</a:t>
             </a:r>
           </a:p>
           <a:p>
             <a:pPr lvl="4"/>
             <a:r>
-              <a:rPr lang="en-US" smtClean="0"/>
+              <a:rPr lang="en-US"/>
               <a:t>Fifth level</a:t>
             </a:r>
-            <a:endParaRPr lang="en-US"/>
           </a:p>
         </p:txBody>
       </p:sp>
@@ -1538,7 +1524,7 @@
           <a:p>
             <a:pPr lvl="0"/>
             <a:r>
-              <a:rPr lang="en-US" smtClean="0"/>
+              <a:rPr lang="en-US"/>
               <a:t>Edit Master text styles</a:t>
             </a:r>
           </a:p>
@@ -1566,38 +1552,37 @@
           <a:p>
             <a:pPr lvl="0"/>
             <a:r>
-              <a:rPr lang="en-US" smtClean="0"/>
+              <a:rPr lang="en-US"/>
               <a:t>Edit Master text styles</a:t>
             </a:r>
           </a:p>
           <a:p>
             <a:pPr lvl="1"/>
             <a:r>
-              <a:rPr lang="en-US" smtClean="0"/>
+              <a:rPr lang="en-US"/>
               <a:t>Second level</a:t>
             </a:r>
           </a:p>
           <a:p>
             <a:pPr lvl="2"/>
             <a:r>
-              <a:rPr lang="en-US" smtClean="0"/>
+              <a:rPr lang="en-US"/>
               <a:t>Third level</a:t>
             </a:r>
           </a:p>
           <a:p>
             <a:pPr lvl="3"/>
             <a:r>
-              <a:rPr lang="en-US" smtClean="0"/>
+              <a:rPr lang="en-US"/>
               <a:t>Fourth level</a:t>
             </a:r>
           </a:p>
           <a:p>
             <a:pPr lvl="4"/>
             <a:r>
-              <a:rPr lang="en-US" smtClean="0"/>
+              <a:rPr lang="en-US"/>
               <a:t>Fifth level</a:t>
             </a:r>
-            <a:endParaRPr lang="en-US"/>
           </a:p>
         </p:txBody>
       </p:sp>
@@ -1618,7 +1603,7 @@
           <a:p>
             <a:fld id="{7003E077-3EA7-4C5F-87EA-0E7A45FC606A}" type="datetimeFigureOut">
               <a:rPr lang="en-US" smtClean="0"/>
-              <a:t>7/26/2018</a:t>
+              <a:t>7/30/2018</a:t>
             </a:fld>
             <a:endParaRPr lang="en-US"/>
           </a:p>
@@ -1712,10 +1697,9 @@
           <a:lstStyle/>
           <a:p>
             <a:r>
-              <a:rPr lang="en-US" smtClean="0"/>
+              <a:rPr lang="en-US"/>
               <a:t>Click to edit Master title style</a:t>
             </a:r>
-            <a:endParaRPr lang="en-US"/>
           </a:p>
         </p:txBody>
       </p:sp>
@@ -1736,7 +1720,7 @@
           <a:p>
             <a:fld id="{7003E077-3EA7-4C5F-87EA-0E7A45FC606A}" type="datetimeFigureOut">
               <a:rPr lang="en-US" smtClean="0"/>
-              <a:t>7/26/2018</a:t>
+              <a:t>7/30/2018</a:t>
             </a:fld>
             <a:endParaRPr lang="en-US"/>
           </a:p>
@@ -1831,7 +1815,7 @@
           <a:p>
             <a:fld id="{7003E077-3EA7-4C5F-87EA-0E7A45FC606A}" type="datetimeFigureOut">
               <a:rPr lang="en-US" smtClean="0"/>
-              <a:t>7/26/2018</a:t>
+              <a:t>7/30/2018</a:t>
             </a:fld>
             <a:endParaRPr lang="en-US"/>
           </a:p>
@@ -1934,10 +1918,9 @@
           </a:lstStyle>
           <a:p>
             <a:r>
-              <a:rPr lang="en-US" smtClean="0"/>
+              <a:rPr lang="en-US"/>
               <a:t>Click to edit Master title style</a:t>
             </a:r>
-            <a:endParaRPr lang="en-US"/>
           </a:p>
         </p:txBody>
       </p:sp>
@@ -1991,38 +1974,37 @@
           <a:p>
             <a:pPr lvl="0"/>
             <a:r>
-              <a:rPr lang="en-US" smtClean="0"/>
+              <a:rPr lang="en-US"/>
               <a:t>Edit Master text styles</a:t>
             </a:r>
           </a:p>
           <a:p>
             <a:pPr lvl="1"/>
             <a:r>
-              <a:rPr lang="en-US" smtClean="0"/>
+              <a:rPr lang="en-US"/>
               <a:t>Second level</a:t>
             </a:r>
           </a:p>
           <a:p>
             <a:pPr lvl="2"/>
             <a:r>
-              <a:rPr lang="en-US" smtClean="0"/>
+              <a:rPr lang="en-US"/>
               <a:t>Third level</a:t>
             </a:r>
           </a:p>
           <a:p>
             <a:pPr lvl="3"/>
             <a:r>
-              <a:rPr lang="en-US" smtClean="0"/>
+              <a:rPr lang="en-US"/>
               <a:t>Fourth level</a:t>
             </a:r>
           </a:p>
           <a:p>
             <a:pPr lvl="4"/>
             <a:r>
-              <a:rPr lang="en-US" smtClean="0"/>
+              <a:rPr lang="en-US"/>
               <a:t>Fifth level</a:t>
             </a:r>
-            <a:endParaRPr lang="en-US"/>
           </a:p>
         </p:txBody>
       </p:sp>
@@ -2085,7 +2067,7 @@
           <a:p>
             <a:pPr lvl="0"/>
             <a:r>
-              <a:rPr lang="en-US" smtClean="0"/>
+              <a:rPr lang="en-US"/>
               <a:t>Edit Master text styles</a:t>
             </a:r>
           </a:p>
@@ -2108,7 +2090,7 @@
           <a:p>
             <a:fld id="{7003E077-3EA7-4C5F-87EA-0E7A45FC606A}" type="datetimeFigureOut">
               <a:rPr lang="en-US" smtClean="0"/>
-              <a:t>7/26/2018</a:t>
+              <a:t>7/30/2018</a:t>
             </a:fld>
             <a:endParaRPr lang="en-US"/>
           </a:p>
@@ -2211,10 +2193,9 @@
           </a:lstStyle>
           <a:p>
             <a:r>
-              <a:rPr lang="en-US" smtClean="0"/>
+              <a:rPr lang="en-US"/>
               <a:t>Click to edit Master title style</a:t>
             </a:r>
-            <a:endParaRPr lang="en-US"/>
           </a:p>
         </p:txBody>
       </p:sp>
@@ -2338,7 +2319,7 @@
           <a:p>
             <a:pPr lvl="0"/>
             <a:r>
-              <a:rPr lang="en-US" smtClean="0"/>
+              <a:rPr lang="en-US"/>
               <a:t>Edit Master text styles</a:t>
             </a:r>
           </a:p>
@@ -2361,7 +2342,7 @@
           <a:p>
             <a:fld id="{7003E077-3EA7-4C5F-87EA-0E7A45FC606A}" type="datetimeFigureOut">
               <a:rPr lang="en-US" smtClean="0"/>
-              <a:t>7/26/2018</a:t>
+              <a:t>7/30/2018</a:t>
             </a:fld>
             <a:endParaRPr lang="en-US"/>
           </a:p>
@@ -2470,10 +2451,9 @@
           <a:lstStyle/>
           <a:p>
             <a:r>
-              <a:rPr lang="en-US" smtClean="0"/>
+              <a:rPr lang="en-US"/>
               <a:t>Click to edit Master title style</a:t>
             </a:r>
-            <a:endParaRPr lang="en-US"/>
           </a:p>
         </p:txBody>
       </p:sp>
@@ -2504,38 +2484,37 @@
           <a:p>
             <a:pPr lvl="0"/>
             <a:r>
-              <a:rPr lang="en-US" smtClean="0"/>
+              <a:rPr lang="en-US"/>
               <a:t>Edit Master text styles</a:t>
             </a:r>
           </a:p>
           <a:p>
             <a:pPr lvl="1"/>
             <a:r>
-              <a:rPr lang="en-US" smtClean="0"/>
+              <a:rPr lang="en-US"/>
               <a:t>Second level</a:t>
             </a:r>
           </a:p>
           <a:p>
             <a:pPr lvl="2"/>
             <a:r>
-              <a:rPr lang="en-US" smtClean="0"/>
+              <a:rPr lang="en-US"/>
               <a:t>Third level</a:t>
             </a:r>
           </a:p>
           <a:p>
             <a:pPr lvl="3"/>
             <a:r>
-              <a:rPr lang="en-US" smtClean="0"/>
+              <a:rPr lang="en-US"/>
               <a:t>Fourth level</a:t>
             </a:r>
           </a:p>
           <a:p>
             <a:pPr lvl="4"/>
             <a:r>
-              <a:rPr lang="en-US" smtClean="0"/>
+              <a:rPr lang="en-US"/>
               <a:t>Fifth level</a:t>
             </a:r>
-            <a:endParaRPr lang="en-US"/>
           </a:p>
         </p:txBody>
       </p:sp>
@@ -2574,7 +2553,7 @@
           <a:p>
             <a:fld id="{7003E077-3EA7-4C5F-87EA-0E7A45FC606A}" type="datetimeFigureOut">
               <a:rPr lang="en-US" smtClean="0"/>
-              <a:t>7/26/2018</a:t>
+              <a:t>7/30/2018</a:t>
             </a:fld>
             <a:endParaRPr lang="en-US"/>
           </a:p>
@@ -2995,18 +2974,17 @@
           <a:lstStyle/>
           <a:p>
             <a:r>
-              <a:rPr lang="en-US" dirty="0" smtClean="0"/>
+              <a:rPr lang="en-US" dirty="0"/>
               <a:t>Cluster Expansion for </a:t>
             </a:r>
             <a:r>
-              <a:rPr lang="en-US" dirty="0" err="1" smtClean="0"/>
+              <a:rPr lang="en-US" dirty="0" err="1"/>
               <a:t>Pd</a:t>
             </a:r>
             <a:r>
-              <a:rPr lang="en-US" dirty="0" smtClean="0"/>
+              <a:rPr lang="en-US" dirty="0"/>
               <a:t> dynamics </a:t>
             </a:r>
-            <a:endParaRPr lang="en-US" dirty="0"/>
           </a:p>
         </p:txBody>
       </p:sp>
@@ -3056,10 +3034,9 @@
           <a:lstStyle/>
           <a:p>
             <a:r>
-              <a:rPr lang="en-US" dirty="0" smtClean="0"/>
+              <a:rPr lang="en-US" dirty="0"/>
               <a:t>Lattice</a:t>
             </a:r>
-            <a:endParaRPr lang="en-US" dirty="0"/>
           </a:p>
         </p:txBody>
       </p:sp>
@@ -3133,10 +3110,9 @@
           <a:lstStyle/>
           <a:p>
             <a:r>
-              <a:rPr lang="en-US" dirty="0" smtClean="0"/>
+              <a:rPr lang="en-US" dirty="0"/>
               <a:t>Model 2D configuration first</a:t>
             </a:r>
-            <a:endParaRPr lang="en-US" dirty="0"/>
           </a:p>
         </p:txBody>
       </p:sp>
@@ -3161,7 +3137,7 @@
           <a:lstStyle/>
           <a:p>
             <a:r>
-              <a:rPr lang="en-US" dirty="0" smtClean="0"/>
+              <a:rPr lang="en-US" dirty="0"/>
               <a:t>12 of them </a:t>
             </a:r>
           </a:p>
@@ -3377,6 +3353,692 @@
           </a:prstGeom>
         </p:spPr>
       </p:pic>
+      <p:graphicFrame>
+        <p:nvGraphicFramePr>
+          <p:cNvPr id="11" name="Table 10">
+            <a:extLst>
+              <a:ext uri="{FF2B5EF4-FFF2-40B4-BE49-F238E27FC236}">
+                <a16:creationId xmlns:a16="http://schemas.microsoft.com/office/drawing/2014/main" id="{C14E4F0B-BDD7-4AE5-848A-8FEB033D2180}"/>
+              </a:ext>
+            </a:extLst>
+          </p:cNvPr>
+          <p:cNvGraphicFramePr>
+            <a:graphicFrameLocks noGrp="1"/>
+          </p:cNvGraphicFramePr>
+          <p:nvPr>
+            <p:extLst>
+              <p:ext uri="{D42A27DB-BD31-4B8C-83A1-F6EECF244321}">
+                <p14:modId xmlns:p14="http://schemas.microsoft.com/office/powerpoint/2010/main" val="3759687612"/>
+              </p:ext>
+            </p:extLst>
+          </p:nvPr>
+        </p:nvGraphicFramePr>
+        <p:xfrm>
+          <a:off x="500488" y="2628974"/>
+          <a:ext cx="1405018" cy="2286000"/>
+        </p:xfrm>
+        <a:graphic>
+          <a:graphicData uri="http://schemas.openxmlformats.org/drawingml/2006/table">
+            <a:tbl>
+              <a:tblPr>
+                <a:tableStyleId>{5C22544A-7EE6-4342-B048-85BDC9FD1C3A}</a:tableStyleId>
+              </a:tblPr>
+              <a:tblGrid>
+                <a:gridCol w="702509">
+                  <a:extLst>
+                    <a:ext uri="{9D8B030D-6E8A-4147-A177-3AD203B41FA5}">
+                      <a16:colId xmlns:a16="http://schemas.microsoft.com/office/drawing/2014/main" val="1649052449"/>
+                    </a:ext>
+                  </a:extLst>
+                </a:gridCol>
+                <a:gridCol w="702509">
+                  <a:extLst>
+                    <a:ext uri="{9D8B030D-6E8A-4147-A177-3AD203B41FA5}">
+                      <a16:colId xmlns:a16="http://schemas.microsoft.com/office/drawing/2014/main" val="1849913837"/>
+                    </a:ext>
+                  </a:extLst>
+                </a:gridCol>
+              </a:tblGrid>
+              <a:tr h="190500">
+                <a:tc>
+                  <a:txBody>
+                    <a:bodyPr/>
+                    <a:lstStyle/>
+                    <a:p>
+                      <a:pPr algn="l" fontAlgn="b"/>
+                      <a:r>
+                        <a:rPr lang="en-US" sz="1100" u="none" strike="noStrike">
+                          <a:effectLst/>
+                        </a:rPr>
+                        <a:t>Pd1 (T)</a:t>
+                      </a:r>
+                      <a:endParaRPr lang="en-US" sz="1100" b="0" i="0" u="none" strike="noStrike">
+                        <a:solidFill>
+                          <a:srgbClr val="000000"/>
+                        </a:solidFill>
+                        <a:effectLst/>
+                        <a:latin typeface="Calibri" panose="020F0502020204030204" pitchFamily="34" charset="0"/>
+                      </a:endParaRPr>
+                    </a:p>
+                  </a:txBody>
+                  <a:tcPr marL="9525" marR="9525" marT="9525" marB="0" anchor="b"/>
+                </a:tc>
+                <a:tc>
+                  <a:txBody>
+                    <a:bodyPr/>
+                    <a:lstStyle/>
+                    <a:p>
+                      <a:pPr algn="r" fontAlgn="b"/>
+                      <a:r>
+                        <a:rPr lang="en-US" sz="1100" u="none" strike="noStrike">
+                          <a:effectLst/>
+                        </a:rPr>
+                        <a:t>0</a:t>
+                      </a:r>
+                      <a:endParaRPr lang="en-US" sz="1100" b="0" i="0" u="none" strike="noStrike">
+                        <a:solidFill>
+                          <a:srgbClr val="000000"/>
+                        </a:solidFill>
+                        <a:effectLst/>
+                        <a:latin typeface="Calibri" panose="020F0502020204030204" pitchFamily="34" charset="0"/>
+                      </a:endParaRPr>
+                    </a:p>
+                  </a:txBody>
+                  <a:tcPr marL="9525" marR="9525" marT="9525" marB="0" anchor="b"/>
+                </a:tc>
+                <a:extLst>
+                  <a:ext uri="{0D108BD9-81ED-4DB2-BD59-A6C34878D82A}">
+                    <a16:rowId xmlns:a16="http://schemas.microsoft.com/office/drawing/2014/main" val="1007083308"/>
+                  </a:ext>
+                </a:extLst>
+              </a:tr>
+              <a:tr h="190500">
+                <a:tc>
+                  <a:txBody>
+                    <a:bodyPr/>
+                    <a:lstStyle/>
+                    <a:p>
+                      <a:pPr algn="l" fontAlgn="b"/>
+                      <a:r>
+                        <a:rPr lang="en-US" sz="1100" u="none" strike="noStrike">
+                          <a:effectLst/>
+                        </a:rPr>
+                        <a:t>Pd2</a:t>
+                      </a:r>
+                      <a:endParaRPr lang="en-US" sz="1100" b="0" i="0" u="none" strike="noStrike">
+                        <a:solidFill>
+                          <a:srgbClr val="000000"/>
+                        </a:solidFill>
+                        <a:effectLst/>
+                        <a:latin typeface="Calibri" panose="020F0502020204030204" pitchFamily="34" charset="0"/>
+                      </a:endParaRPr>
+                    </a:p>
+                  </a:txBody>
+                  <a:tcPr marL="9525" marR="9525" marT="9525" marB="0" anchor="b"/>
+                </a:tc>
+                <a:tc>
+                  <a:txBody>
+                    <a:bodyPr/>
+                    <a:lstStyle/>
+                    <a:p>
+                      <a:pPr algn="r" fontAlgn="b"/>
+                      <a:r>
+                        <a:rPr lang="en-US" sz="1100" u="none" strike="noStrike">
+                          <a:effectLst/>
+                        </a:rPr>
+                        <a:t>-0.45</a:t>
+                      </a:r>
+                      <a:endParaRPr lang="en-US" sz="1100" b="0" i="0" u="none" strike="noStrike">
+                        <a:solidFill>
+                          <a:srgbClr val="000000"/>
+                        </a:solidFill>
+                        <a:effectLst/>
+                        <a:latin typeface="Calibri" panose="020F0502020204030204" pitchFamily="34" charset="0"/>
+                      </a:endParaRPr>
+                    </a:p>
+                  </a:txBody>
+                  <a:tcPr marL="9525" marR="9525" marT="9525" marB="0" anchor="b"/>
+                </a:tc>
+                <a:extLst>
+                  <a:ext uri="{0D108BD9-81ED-4DB2-BD59-A6C34878D82A}">
+                    <a16:rowId xmlns:a16="http://schemas.microsoft.com/office/drawing/2014/main" val="2766264444"/>
+                  </a:ext>
+                </a:extLst>
+              </a:tr>
+              <a:tr h="190500">
+                <a:tc>
+                  <a:txBody>
+                    <a:bodyPr/>
+                    <a:lstStyle/>
+                    <a:p>
+                      <a:pPr algn="l" fontAlgn="b"/>
+                      <a:r>
+                        <a:rPr lang="en-US" sz="1100" u="none" strike="noStrike">
+                          <a:effectLst/>
+                        </a:rPr>
+                        <a:t>Pd3</a:t>
+                      </a:r>
+                      <a:endParaRPr lang="en-US" sz="1100" b="0" i="0" u="none" strike="noStrike">
+                        <a:solidFill>
+                          <a:srgbClr val="000000"/>
+                        </a:solidFill>
+                        <a:effectLst/>
+                        <a:latin typeface="Calibri" panose="020F0502020204030204" pitchFamily="34" charset="0"/>
+                      </a:endParaRPr>
+                    </a:p>
+                  </a:txBody>
+                  <a:tcPr marL="9525" marR="9525" marT="9525" marB="0" anchor="b"/>
+                </a:tc>
+                <a:tc>
+                  <a:txBody>
+                    <a:bodyPr/>
+                    <a:lstStyle/>
+                    <a:p>
+                      <a:pPr algn="r" fontAlgn="b"/>
+                      <a:r>
+                        <a:rPr lang="en-US" sz="1100" u="none" strike="noStrike">
+                          <a:effectLst/>
+                        </a:rPr>
+                        <a:t>-1.5</a:t>
+                      </a:r>
+                      <a:endParaRPr lang="en-US" sz="1100" b="0" i="0" u="none" strike="noStrike">
+                        <a:solidFill>
+                          <a:srgbClr val="000000"/>
+                        </a:solidFill>
+                        <a:effectLst/>
+                        <a:latin typeface="Calibri" panose="020F0502020204030204" pitchFamily="34" charset="0"/>
+                      </a:endParaRPr>
+                    </a:p>
+                  </a:txBody>
+                  <a:tcPr marL="9525" marR="9525" marT="9525" marB="0" anchor="b"/>
+                </a:tc>
+                <a:extLst>
+                  <a:ext uri="{0D108BD9-81ED-4DB2-BD59-A6C34878D82A}">
+                    <a16:rowId xmlns:a16="http://schemas.microsoft.com/office/drawing/2014/main" val="3603378600"/>
+                  </a:ext>
+                </a:extLst>
+              </a:tr>
+              <a:tr h="190500">
+                <a:tc>
+                  <a:txBody>
+                    <a:bodyPr/>
+                    <a:lstStyle/>
+                    <a:p>
+                      <a:pPr algn="l" fontAlgn="b"/>
+                      <a:r>
+                        <a:rPr lang="en-US" sz="1100" u="none" strike="noStrike">
+                          <a:effectLst/>
+                        </a:rPr>
+                        <a:t>Pd4</a:t>
+                      </a:r>
+                      <a:endParaRPr lang="en-US" sz="1100" b="0" i="0" u="none" strike="noStrike">
+                        <a:solidFill>
+                          <a:srgbClr val="000000"/>
+                        </a:solidFill>
+                        <a:effectLst/>
+                        <a:latin typeface="Calibri" panose="020F0502020204030204" pitchFamily="34" charset="0"/>
+                      </a:endParaRPr>
+                    </a:p>
+                  </a:txBody>
+                  <a:tcPr marL="9525" marR="9525" marT="9525" marB="0" anchor="b"/>
+                </a:tc>
+                <a:tc>
+                  <a:txBody>
+                    <a:bodyPr/>
+                    <a:lstStyle/>
+                    <a:p>
+                      <a:pPr algn="r" fontAlgn="b"/>
+                      <a:r>
+                        <a:rPr lang="en-US" sz="1100" u="none" strike="noStrike">
+                          <a:effectLst/>
+                        </a:rPr>
+                        <a:t>-2.56</a:t>
+                      </a:r>
+                      <a:endParaRPr lang="en-US" sz="1100" b="0" i="0" u="none" strike="noStrike">
+                        <a:solidFill>
+                          <a:srgbClr val="000000"/>
+                        </a:solidFill>
+                        <a:effectLst/>
+                        <a:latin typeface="Calibri" panose="020F0502020204030204" pitchFamily="34" charset="0"/>
+                      </a:endParaRPr>
+                    </a:p>
+                  </a:txBody>
+                  <a:tcPr marL="9525" marR="9525" marT="9525" marB="0" anchor="b"/>
+                </a:tc>
+                <a:extLst>
+                  <a:ext uri="{0D108BD9-81ED-4DB2-BD59-A6C34878D82A}">
+                    <a16:rowId xmlns:a16="http://schemas.microsoft.com/office/drawing/2014/main" val="195683165"/>
+                  </a:ext>
+                </a:extLst>
+              </a:tr>
+              <a:tr h="190500">
+                <a:tc>
+                  <a:txBody>
+                    <a:bodyPr/>
+                    <a:lstStyle/>
+                    <a:p>
+                      <a:pPr algn="l" fontAlgn="b"/>
+                      <a:r>
+                        <a:rPr lang="en-US" sz="1100" u="none" strike="noStrike">
+                          <a:effectLst/>
+                        </a:rPr>
+                        <a:t>Pd5</a:t>
+                      </a:r>
+                      <a:endParaRPr lang="en-US" sz="1100" b="0" i="0" u="none" strike="noStrike">
+                        <a:solidFill>
+                          <a:srgbClr val="000000"/>
+                        </a:solidFill>
+                        <a:effectLst/>
+                        <a:latin typeface="Calibri" panose="020F0502020204030204" pitchFamily="34" charset="0"/>
+                      </a:endParaRPr>
+                    </a:p>
+                  </a:txBody>
+                  <a:tcPr marL="9525" marR="9525" marT="9525" marB="0" anchor="b"/>
+                </a:tc>
+                <a:tc>
+                  <a:txBody>
+                    <a:bodyPr/>
+                    <a:lstStyle/>
+                    <a:p>
+                      <a:pPr algn="r" fontAlgn="b"/>
+                      <a:r>
+                        <a:rPr lang="en-US" sz="1100" u="none" strike="noStrike">
+                          <a:effectLst/>
+                        </a:rPr>
+                        <a:t>-3.41</a:t>
+                      </a:r>
+                      <a:endParaRPr lang="en-US" sz="1100" b="0" i="0" u="none" strike="noStrike">
+                        <a:solidFill>
+                          <a:srgbClr val="000000"/>
+                        </a:solidFill>
+                        <a:effectLst/>
+                        <a:latin typeface="Calibri" panose="020F0502020204030204" pitchFamily="34" charset="0"/>
+                      </a:endParaRPr>
+                    </a:p>
+                  </a:txBody>
+                  <a:tcPr marL="9525" marR="9525" marT="9525" marB="0" anchor="b"/>
+                </a:tc>
+                <a:extLst>
+                  <a:ext uri="{0D108BD9-81ED-4DB2-BD59-A6C34878D82A}">
+                    <a16:rowId xmlns:a16="http://schemas.microsoft.com/office/drawing/2014/main" val="2458313997"/>
+                  </a:ext>
+                </a:extLst>
+              </a:tr>
+              <a:tr h="190500">
+                <a:tc>
+                  <a:txBody>
+                    <a:bodyPr/>
+                    <a:lstStyle/>
+                    <a:p>
+                      <a:pPr algn="l" fontAlgn="b"/>
+                      <a:r>
+                        <a:rPr lang="en-US" sz="1100" u="none" strike="noStrike">
+                          <a:effectLst/>
+                        </a:rPr>
+                        <a:t>Pd6_1</a:t>
+                      </a:r>
+                      <a:endParaRPr lang="en-US" sz="1100" b="0" i="0" u="none" strike="noStrike">
+                        <a:solidFill>
+                          <a:srgbClr val="000000"/>
+                        </a:solidFill>
+                        <a:effectLst/>
+                        <a:latin typeface="Calibri" panose="020F0502020204030204" pitchFamily="34" charset="0"/>
+                      </a:endParaRPr>
+                    </a:p>
+                  </a:txBody>
+                  <a:tcPr marL="9525" marR="9525" marT="9525" marB="0" anchor="b"/>
+                </a:tc>
+                <a:tc>
+                  <a:txBody>
+                    <a:bodyPr/>
+                    <a:lstStyle/>
+                    <a:p>
+                      <a:pPr algn="r" fontAlgn="b"/>
+                      <a:r>
+                        <a:rPr lang="en-US" sz="1100" u="none" strike="noStrike">
+                          <a:effectLst/>
+                        </a:rPr>
+                        <a:t>-4.49</a:t>
+                      </a:r>
+                      <a:endParaRPr lang="en-US" sz="1100" b="0" i="0" u="none" strike="noStrike">
+                        <a:solidFill>
+                          <a:srgbClr val="000000"/>
+                        </a:solidFill>
+                        <a:effectLst/>
+                        <a:latin typeface="Calibri" panose="020F0502020204030204" pitchFamily="34" charset="0"/>
+                      </a:endParaRPr>
+                    </a:p>
+                  </a:txBody>
+                  <a:tcPr marL="9525" marR="9525" marT="9525" marB="0" anchor="b"/>
+                </a:tc>
+                <a:extLst>
+                  <a:ext uri="{0D108BD9-81ED-4DB2-BD59-A6C34878D82A}">
+                    <a16:rowId xmlns:a16="http://schemas.microsoft.com/office/drawing/2014/main" val="717729657"/>
+                  </a:ext>
+                </a:extLst>
+              </a:tr>
+              <a:tr h="190500">
+                <a:tc>
+                  <a:txBody>
+                    <a:bodyPr/>
+                    <a:lstStyle/>
+                    <a:p>
+                      <a:pPr algn="l" fontAlgn="b"/>
+                      <a:r>
+                        <a:rPr lang="en-US" sz="1100" u="none" strike="noStrike">
+                          <a:effectLst/>
+                        </a:rPr>
+                        <a:t>Pd6_2</a:t>
+                      </a:r>
+                      <a:endParaRPr lang="en-US" sz="1100" b="0" i="0" u="none" strike="noStrike">
+                        <a:solidFill>
+                          <a:srgbClr val="000000"/>
+                        </a:solidFill>
+                        <a:effectLst/>
+                        <a:latin typeface="Calibri" panose="020F0502020204030204" pitchFamily="34" charset="0"/>
+                      </a:endParaRPr>
+                    </a:p>
+                  </a:txBody>
+                  <a:tcPr marL="9525" marR="9525" marT="9525" marB="0" anchor="b"/>
+                </a:tc>
+                <a:tc>
+                  <a:txBody>
+                    <a:bodyPr/>
+                    <a:lstStyle/>
+                    <a:p>
+                      <a:pPr algn="r" fontAlgn="b"/>
+                      <a:r>
+                        <a:rPr lang="en-US" sz="1100" u="none" strike="noStrike">
+                          <a:effectLst/>
+                        </a:rPr>
+                        <a:t>-4.38</a:t>
+                      </a:r>
+                      <a:endParaRPr lang="en-US" sz="1100" b="0" i="0" u="none" strike="noStrike">
+                        <a:solidFill>
+                          <a:srgbClr val="000000"/>
+                        </a:solidFill>
+                        <a:effectLst/>
+                        <a:latin typeface="Calibri" panose="020F0502020204030204" pitchFamily="34" charset="0"/>
+                      </a:endParaRPr>
+                    </a:p>
+                  </a:txBody>
+                  <a:tcPr marL="9525" marR="9525" marT="9525" marB="0" anchor="b"/>
+                </a:tc>
+                <a:extLst>
+                  <a:ext uri="{0D108BD9-81ED-4DB2-BD59-A6C34878D82A}">
+                    <a16:rowId xmlns:a16="http://schemas.microsoft.com/office/drawing/2014/main" val="45241402"/>
+                  </a:ext>
+                </a:extLst>
+              </a:tr>
+              <a:tr h="190500">
+                <a:tc>
+                  <a:txBody>
+                    <a:bodyPr/>
+                    <a:lstStyle/>
+                    <a:p>
+                      <a:pPr algn="l" fontAlgn="b"/>
+                      <a:r>
+                        <a:rPr lang="en-US" sz="1100" u="none" strike="noStrike">
+                          <a:effectLst/>
+                        </a:rPr>
+                        <a:t>Pd6_3</a:t>
+                      </a:r>
+                      <a:endParaRPr lang="en-US" sz="1100" b="0" i="0" u="none" strike="noStrike">
+                        <a:solidFill>
+                          <a:srgbClr val="000000"/>
+                        </a:solidFill>
+                        <a:effectLst/>
+                        <a:latin typeface="Calibri" panose="020F0502020204030204" pitchFamily="34" charset="0"/>
+                      </a:endParaRPr>
+                    </a:p>
+                  </a:txBody>
+                  <a:tcPr marL="9525" marR="9525" marT="9525" marB="0" anchor="b"/>
+                </a:tc>
+                <a:tc>
+                  <a:txBody>
+                    <a:bodyPr/>
+                    <a:lstStyle/>
+                    <a:p>
+                      <a:pPr algn="r" fontAlgn="b"/>
+                      <a:r>
+                        <a:rPr lang="en-US" sz="1100" u="none" strike="noStrike">
+                          <a:effectLst/>
+                        </a:rPr>
+                        <a:t>-4.32</a:t>
+                      </a:r>
+                      <a:endParaRPr lang="en-US" sz="1100" b="0" i="0" u="none" strike="noStrike">
+                        <a:solidFill>
+                          <a:srgbClr val="000000"/>
+                        </a:solidFill>
+                        <a:effectLst/>
+                        <a:latin typeface="Calibri" panose="020F0502020204030204" pitchFamily="34" charset="0"/>
+                      </a:endParaRPr>
+                    </a:p>
+                  </a:txBody>
+                  <a:tcPr marL="9525" marR="9525" marT="9525" marB="0" anchor="b"/>
+                </a:tc>
+                <a:extLst>
+                  <a:ext uri="{0D108BD9-81ED-4DB2-BD59-A6C34878D82A}">
+                    <a16:rowId xmlns:a16="http://schemas.microsoft.com/office/drawing/2014/main" val="2563895279"/>
+                  </a:ext>
+                </a:extLst>
+              </a:tr>
+              <a:tr h="190500">
+                <a:tc>
+                  <a:txBody>
+                    <a:bodyPr/>
+                    <a:lstStyle/>
+                    <a:p>
+                      <a:pPr algn="l" fontAlgn="b"/>
+                      <a:r>
+                        <a:rPr lang="en-US" sz="1100" u="none" strike="noStrike">
+                          <a:effectLst/>
+                        </a:rPr>
+                        <a:t>Pd7_1</a:t>
+                      </a:r>
+                      <a:endParaRPr lang="en-US" sz="1100" b="0" i="0" u="none" strike="noStrike">
+                        <a:solidFill>
+                          <a:srgbClr val="000000"/>
+                        </a:solidFill>
+                        <a:effectLst/>
+                        <a:latin typeface="Calibri" panose="020F0502020204030204" pitchFamily="34" charset="0"/>
+                      </a:endParaRPr>
+                    </a:p>
+                  </a:txBody>
+                  <a:tcPr marL="9525" marR="9525" marT="9525" marB="0" anchor="b"/>
+                </a:tc>
+                <a:tc>
+                  <a:txBody>
+                    <a:bodyPr/>
+                    <a:lstStyle/>
+                    <a:p>
+                      <a:pPr algn="r" fontAlgn="b"/>
+                      <a:r>
+                        <a:rPr lang="en-US" sz="1100" u="none" strike="noStrike">
+                          <a:effectLst/>
+                        </a:rPr>
+                        <a:t>-6.07</a:t>
+                      </a:r>
+                      <a:endParaRPr lang="en-US" sz="1100" b="0" i="0" u="none" strike="noStrike">
+                        <a:solidFill>
+                          <a:srgbClr val="000000"/>
+                        </a:solidFill>
+                        <a:effectLst/>
+                        <a:latin typeface="Calibri" panose="020F0502020204030204" pitchFamily="34" charset="0"/>
+                      </a:endParaRPr>
+                    </a:p>
+                  </a:txBody>
+                  <a:tcPr marL="9525" marR="9525" marT="9525" marB="0" anchor="b"/>
+                </a:tc>
+                <a:extLst>
+                  <a:ext uri="{0D108BD9-81ED-4DB2-BD59-A6C34878D82A}">
+                    <a16:rowId xmlns:a16="http://schemas.microsoft.com/office/drawing/2014/main" val="3066333979"/>
+                  </a:ext>
+                </a:extLst>
+              </a:tr>
+              <a:tr h="190500">
+                <a:tc>
+                  <a:txBody>
+                    <a:bodyPr/>
+                    <a:lstStyle/>
+                    <a:p>
+                      <a:pPr algn="l" fontAlgn="b"/>
+                      <a:r>
+                        <a:rPr lang="en-US" sz="1100" u="none" strike="noStrike">
+                          <a:effectLst/>
+                        </a:rPr>
+                        <a:t>Pd7_2</a:t>
+                      </a:r>
+                      <a:endParaRPr lang="en-US" sz="1100" b="0" i="0" u="none" strike="noStrike">
+                        <a:solidFill>
+                          <a:srgbClr val="000000"/>
+                        </a:solidFill>
+                        <a:effectLst/>
+                        <a:latin typeface="Calibri" panose="020F0502020204030204" pitchFamily="34" charset="0"/>
+                      </a:endParaRPr>
+                    </a:p>
+                  </a:txBody>
+                  <a:tcPr marL="9525" marR="9525" marT="9525" marB="0" anchor="b"/>
+                </a:tc>
+                <a:tc>
+                  <a:txBody>
+                    <a:bodyPr/>
+                    <a:lstStyle/>
+                    <a:p>
+                      <a:pPr algn="r" fontAlgn="b"/>
+                      <a:r>
+                        <a:rPr lang="en-US" sz="1100" u="none" strike="noStrike">
+                          <a:effectLst/>
+                        </a:rPr>
+                        <a:t>-4.9</a:t>
+                      </a:r>
+                      <a:endParaRPr lang="en-US" sz="1100" b="0" i="0" u="none" strike="noStrike">
+                        <a:solidFill>
+                          <a:srgbClr val="000000"/>
+                        </a:solidFill>
+                        <a:effectLst/>
+                        <a:latin typeface="Calibri" panose="020F0502020204030204" pitchFamily="34" charset="0"/>
+                      </a:endParaRPr>
+                    </a:p>
+                  </a:txBody>
+                  <a:tcPr marL="9525" marR="9525" marT="9525" marB="0" anchor="b"/>
+                </a:tc>
+                <a:extLst>
+                  <a:ext uri="{0D108BD9-81ED-4DB2-BD59-A6C34878D82A}">
+                    <a16:rowId xmlns:a16="http://schemas.microsoft.com/office/drawing/2014/main" val="3679010897"/>
+                  </a:ext>
+                </a:extLst>
+              </a:tr>
+              <a:tr h="190500">
+                <a:tc>
+                  <a:txBody>
+                    <a:bodyPr/>
+                    <a:lstStyle/>
+                    <a:p>
+                      <a:pPr algn="l" fontAlgn="b"/>
+                      <a:r>
+                        <a:rPr lang="en-US" sz="1100" u="none" strike="noStrike">
+                          <a:effectLst/>
+                        </a:rPr>
+                        <a:t>Pd7_3</a:t>
+                      </a:r>
+                      <a:endParaRPr lang="en-US" sz="1100" b="0" i="0" u="none" strike="noStrike">
+                        <a:solidFill>
+                          <a:srgbClr val="000000"/>
+                        </a:solidFill>
+                        <a:effectLst/>
+                        <a:latin typeface="Calibri" panose="020F0502020204030204" pitchFamily="34" charset="0"/>
+                      </a:endParaRPr>
+                    </a:p>
+                  </a:txBody>
+                  <a:tcPr marL="9525" marR="9525" marT="9525" marB="0" anchor="b"/>
+                </a:tc>
+                <a:tc>
+                  <a:txBody>
+                    <a:bodyPr/>
+                    <a:lstStyle/>
+                    <a:p>
+                      <a:pPr algn="r" fontAlgn="b"/>
+                      <a:r>
+                        <a:rPr lang="en-US" sz="1100" u="none" strike="noStrike">
+                          <a:effectLst/>
+                        </a:rPr>
+                        <a:t>-5.11</a:t>
+                      </a:r>
+                      <a:endParaRPr lang="en-US" sz="1100" b="0" i="0" u="none" strike="noStrike">
+                        <a:solidFill>
+                          <a:srgbClr val="000000"/>
+                        </a:solidFill>
+                        <a:effectLst/>
+                        <a:latin typeface="Calibri" panose="020F0502020204030204" pitchFamily="34" charset="0"/>
+                      </a:endParaRPr>
+                    </a:p>
+                  </a:txBody>
+                  <a:tcPr marL="9525" marR="9525" marT="9525" marB="0" anchor="b"/>
+                </a:tc>
+                <a:extLst>
+                  <a:ext uri="{0D108BD9-81ED-4DB2-BD59-A6C34878D82A}">
+                    <a16:rowId xmlns:a16="http://schemas.microsoft.com/office/drawing/2014/main" val="627173591"/>
+                  </a:ext>
+                </a:extLst>
+              </a:tr>
+              <a:tr h="190500">
+                <a:tc>
+                  <a:txBody>
+                    <a:bodyPr/>
+                    <a:lstStyle/>
+                    <a:p>
+                      <a:pPr algn="l" fontAlgn="b"/>
+                      <a:r>
+                        <a:rPr lang="en-US" sz="1100" u="none" strike="noStrike">
+                          <a:effectLst/>
+                        </a:rPr>
+                        <a:t>Pd7_4</a:t>
+                      </a:r>
+                      <a:endParaRPr lang="en-US" sz="1100" b="0" i="0" u="none" strike="noStrike">
+                        <a:solidFill>
+                          <a:srgbClr val="000000"/>
+                        </a:solidFill>
+                        <a:effectLst/>
+                        <a:latin typeface="Calibri" panose="020F0502020204030204" pitchFamily="34" charset="0"/>
+                      </a:endParaRPr>
+                    </a:p>
+                  </a:txBody>
+                  <a:tcPr marL="9525" marR="9525" marT="9525" marB="0" anchor="b"/>
+                </a:tc>
+                <a:tc>
+                  <a:txBody>
+                    <a:bodyPr/>
+                    <a:lstStyle/>
+                    <a:p>
+                      <a:pPr algn="r" fontAlgn="b"/>
+                      <a:r>
+                        <a:rPr lang="en-US" sz="1100" u="none" strike="noStrike" dirty="0">
+                          <a:effectLst/>
+                        </a:rPr>
+                        <a:t>-5.12</a:t>
+                      </a:r>
+                      <a:endParaRPr lang="en-US" sz="1100" b="0" i="0" u="none" strike="noStrike" dirty="0">
+                        <a:solidFill>
+                          <a:srgbClr val="000000"/>
+                        </a:solidFill>
+                        <a:effectLst/>
+                        <a:latin typeface="Calibri" panose="020F0502020204030204" pitchFamily="34" charset="0"/>
+                      </a:endParaRPr>
+                    </a:p>
+                  </a:txBody>
+                  <a:tcPr marL="9525" marR="9525" marT="9525" marB="0" anchor="b"/>
+                </a:tc>
+                <a:extLst>
+                  <a:ext uri="{0D108BD9-81ED-4DB2-BD59-A6C34878D82A}">
+                    <a16:rowId xmlns:a16="http://schemas.microsoft.com/office/drawing/2014/main" val="512214557"/>
+                  </a:ext>
+                </a:extLst>
+              </a:tr>
+            </a:tbl>
+          </a:graphicData>
+        </a:graphic>
+      </p:graphicFrame>
     </p:spTree>
     <p:extLst>
       <p:ext uri="{BB962C8B-B14F-4D97-AF65-F5344CB8AC3E}">
@@ -3423,10 +4085,9 @@
           <a:lstStyle/>
           <a:p>
             <a:r>
-              <a:rPr lang="en-US" dirty="0" smtClean="0"/>
+              <a:rPr lang="en-US" dirty="0"/>
               <a:t>Steps</a:t>
             </a:r>
-            <a:endParaRPr lang="en-US" dirty="0"/>
           </a:p>
         </p:txBody>
       </p:sp>
@@ -3446,22 +4107,21 @@
           <a:lstStyle/>
           <a:p>
             <a:r>
-              <a:rPr lang="en-US" dirty="0" smtClean="0"/>
+              <a:rPr lang="en-US" dirty="0"/>
               <a:t>1. Try 2D layer first</a:t>
             </a:r>
           </a:p>
           <a:p>
             <a:r>
-              <a:rPr lang="en-US" dirty="0" smtClean="0"/>
+              <a:rPr lang="en-US" dirty="0"/>
               <a:t>7 clusters </a:t>
             </a:r>
           </a:p>
           <a:p>
             <a:r>
-              <a:rPr lang="en-US" dirty="0" smtClean="0"/>
+              <a:rPr lang="en-US" dirty="0"/>
               <a:t>Less than 20 configurations  (some of them are not 2D)</a:t>
             </a:r>
-            <a:endParaRPr lang="en-US" dirty="0"/>
           </a:p>
         </p:txBody>
       </p:sp>
@@ -3511,10 +4171,9 @@
           <a:lstStyle/>
           <a:p>
             <a:r>
-              <a:rPr lang="en-US" dirty="0" smtClean="0"/>
+              <a:rPr lang="en-US" dirty="0"/>
               <a:t>Clusters 1</a:t>
             </a:r>
-            <a:endParaRPr lang="en-US" dirty="0"/>
           </a:p>
         </p:txBody>
       </p:sp>
@@ -3629,10 +4288,9 @@
           <a:lstStyle/>
           <a:p>
             <a:r>
-              <a:rPr lang="en-US" dirty="0" smtClean="0"/>
+              <a:rPr lang="en-US" dirty="0"/>
               <a:t>Clusters 2</a:t>
             </a:r>
-            <a:endParaRPr lang="en-US" dirty="0"/>
           </a:p>
         </p:txBody>
       </p:sp>
@@ -3742,10 +4400,9 @@
           <a:lstStyle/>
           <a:p>
             <a:r>
-              <a:rPr lang="en-US" dirty="0" smtClean="0"/>
+              <a:rPr lang="en-US" dirty="0"/>
               <a:t>Configurations 1</a:t>
             </a:r>
-            <a:endParaRPr lang="en-US" dirty="0"/>
           </a:p>
         </p:txBody>
       </p:sp>
@@ -3854,10 +4511,9 @@
           <a:lstStyle/>
           <a:p>
             <a:r>
-              <a:rPr lang="en-US" dirty="0" smtClean="0"/>
+              <a:rPr lang="en-US" dirty="0"/>
               <a:t>Configurations 2</a:t>
             </a:r>
-            <a:endParaRPr lang="en-US" dirty="0"/>
           </a:p>
         </p:txBody>
       </p:sp>
@@ -3944,10 +4600,9 @@
           <a:lstStyle/>
           <a:p>
             <a:r>
-              <a:rPr lang="en-US" b="1" i="1" dirty="0" smtClean="0"/>
+              <a:rPr lang="en-US" b="1" i="1" dirty="0"/>
               <a:t>This is a 3D cluster</a:t>
             </a:r>
-            <a:endParaRPr lang="en-US" b="1" i="1" dirty="0"/>
           </a:p>
         </p:txBody>
       </p:sp>
@@ -3974,10 +4629,9 @@
           <a:lstStyle/>
           <a:p>
             <a:r>
-              <a:rPr lang="en-US" b="1" i="1" dirty="0" smtClean="0"/>
+              <a:rPr lang="en-US" b="1" i="1" dirty="0"/>
               <a:t>This is a 3D cluster</a:t>
             </a:r>
-            <a:endParaRPr lang="en-US" b="1" i="1" dirty="0"/>
           </a:p>
         </p:txBody>
       </p:sp>
@@ -4027,10 +4681,9 @@
           <a:lstStyle/>
           <a:p>
             <a:r>
-              <a:rPr lang="en-US" dirty="0" smtClean="0"/>
+              <a:rPr lang="en-US" dirty="0"/>
               <a:t>Configurations 3</a:t>
             </a:r>
-            <a:endParaRPr lang="en-US" dirty="0"/>
           </a:p>
         </p:txBody>
       </p:sp>
@@ -4117,10 +4770,9 @@
           <a:lstStyle/>
           <a:p>
             <a:r>
-              <a:rPr lang="en-US" b="1" i="1" dirty="0" smtClean="0"/>
+              <a:rPr lang="en-US" b="1" i="1" dirty="0"/>
               <a:t>This is a 3D cluster</a:t>
             </a:r>
-            <a:endParaRPr lang="en-US" b="1" i="1" dirty="0"/>
           </a:p>
         </p:txBody>
       </p:sp>
@@ -4147,10 +4799,9 @@
           <a:lstStyle/>
           <a:p>
             <a:r>
-              <a:rPr lang="en-US" b="1" i="1" dirty="0" smtClean="0"/>
+              <a:rPr lang="en-US" b="1" i="1" dirty="0"/>
               <a:t>This is a 3D cluster</a:t>
             </a:r>
-            <a:endParaRPr lang="en-US" b="1" i="1" dirty="0"/>
           </a:p>
         </p:txBody>
       </p:sp>
@@ -4200,10 +4851,9 @@
           <a:lstStyle/>
           <a:p>
             <a:r>
-              <a:rPr lang="en-US" dirty="0" smtClean="0"/>
+              <a:rPr lang="en-US" dirty="0"/>
               <a:t>Configuration 4</a:t>
             </a:r>
-            <a:endParaRPr lang="en-US" dirty="0"/>
           </a:p>
         </p:txBody>
       </p:sp>
@@ -4313,10 +4963,9 @@
           <a:lstStyle/>
           <a:p>
             <a:r>
-              <a:rPr lang="en-US" dirty="0" smtClean="0"/>
+              <a:rPr lang="en-US" dirty="0"/>
               <a:t>Configuration 5</a:t>
             </a:r>
-            <a:endParaRPr lang="en-US" dirty="0"/>
           </a:p>
         </p:txBody>
       </p:sp>
@@ -4403,10 +5052,9 @@
           <a:lstStyle/>
           <a:p>
             <a:r>
-              <a:rPr lang="en-US" b="1" i="1" dirty="0" smtClean="0"/>
+              <a:rPr lang="en-US" b="1" i="1" dirty="0"/>
               <a:t>This is a 3D cluster</a:t>
             </a:r>
-            <a:endParaRPr lang="en-US" b="1" i="1" dirty="0"/>
           </a:p>
         </p:txBody>
       </p:sp>
@@ -4433,10 +5081,9 @@
           <a:lstStyle/>
           <a:p>
             <a:r>
-              <a:rPr lang="en-US" b="1" i="1" dirty="0" smtClean="0"/>
+              <a:rPr lang="en-US" b="1" i="1" dirty="0"/>
               <a:t>This is a 3D cluster</a:t>
             </a:r>
-            <a:endParaRPr lang="en-US" b="1" i="1" dirty="0"/>
           </a:p>
         </p:txBody>
       </p:sp>
@@ -4463,10 +5110,9 @@
           <a:lstStyle/>
           <a:p>
             <a:r>
-              <a:rPr lang="en-US" b="1" i="1" dirty="0" smtClean="0"/>
+              <a:rPr lang="en-US" b="1" i="1" dirty="0"/>
               <a:t>This is a 3D cluster</a:t>
             </a:r>
-            <a:endParaRPr lang="en-US" b="1" i="1" dirty="0"/>
           </a:p>
         </p:txBody>
       </p:sp>
@@ -4493,10 +5139,9 @@
           <a:lstStyle/>
           <a:p>
             <a:r>
-              <a:rPr lang="en-US" b="1" i="1" dirty="0" smtClean="0"/>
+              <a:rPr lang="en-US" b="1" i="1" dirty="0"/>
               <a:t>This is a 3D cluster</a:t>
             </a:r>
-            <a:endParaRPr lang="en-US" b="1" i="1" dirty="0"/>
           </a:p>
         </p:txBody>
       </p:sp>
